--- a/1. C# 기초.pptx
+++ b/1. C# 기초.pptx
@@ -15729,7 +15729,7 @@
                 <a:latin typeface="나눔스퀘어라운드OTF Light" panose="020B0600000101010101" pitchFamily="34" charset="-127"/>
                 <a:ea typeface="나눔스퀘어라운드OTF Light" panose="020B0600000101010101" pitchFamily="34" charset="-127"/>
               </a:rPr>
-              <a:t>변순 선언에서 자료형 대신 </a:t>
+              <a:t>변수 선언에서 자료형 대신 </a:t>
             </a:r>
             <a:r>
               <a:rPr lang="en-US" altLang="ko-KR" sz="1600">
@@ -17373,8 +17373,8 @@
         </p:nvSpPr>
         <p:spPr>
           <a:xfrm>
-            <a:off x="1197874" y="3606484"/>
-            <a:ext cx="9796273" cy="1323439"/>
+            <a:off x="849222" y="3606484"/>
+            <a:ext cx="10493578" cy="1323439"/>
           </a:xfrm>
           <a:prstGeom prst="rect">
             <a:avLst/>
@@ -17494,7 +17494,7 @@
                 <a:latin typeface="나눔스퀘어라운드OTF Light" panose="020B0600000101010101" pitchFamily="34" charset="-127"/>
                 <a:ea typeface="나눔스퀘어라운드OTF Light" panose="020B0600000101010101" pitchFamily="34" charset="-127"/>
               </a:rPr>
-              <a:t>Unity.Vector3</a:t>
+              <a:t>UnityEngine.Vector3</a:t>
             </a:r>
             <a:r>
               <a:rPr lang="ko-KR" altLang="en-US" sz="1600">
@@ -17543,7 +17543,7 @@
                 <a:latin typeface="나눔스퀘어라운드OTF Light" panose="020B0600000101010101" pitchFamily="34" charset="-127"/>
                 <a:ea typeface="나눔스퀘어라운드OTF Light" panose="020B0600000101010101" pitchFamily="34" charset="-127"/>
               </a:rPr>
-              <a:t>using Unity; </a:t>
+              <a:t>using UnityEngine; </a:t>
             </a:r>
             <a:r>
               <a:rPr lang="ko-KR" altLang="en-US" sz="1600">
